--- a/presentations/Intro_CF_at_ATT.pptx
+++ b/presentations/Intro_CF_at_ATT.pptx
@@ -221,7 +221,7 @@
           <a:p>
             <a:fld id="{372E5B6B-8713-8747-AE5B-F1241B2BF5F0}" type="datetimeFigureOut">
               <a:rPr lang="en-US" smtClean="0"/>
-              <a:t>5/3/16</a:t>
+              <a:t>5/17/16</a:t>
             </a:fld>
             <a:endParaRPr lang="en-US"/>
           </a:p>
@@ -387,7 +387,7 @@
           <a:p>
             <a:fld id="{7E7B7340-DDD5-1B49-81AA-25BC4050C073}" type="datetimeFigureOut">
               <a:rPr lang="en-US" smtClean="0"/>
-              <a:t>5/3/16</a:t>
+              <a:t>5/17/16</a:t>
             </a:fld>
             <a:endParaRPr lang="en-US"/>
           </a:p>
@@ -7517,7 +7517,39 @@
                 </a:effectLst>
                 <a:cs typeface="Arial"/>
               </a:rPr>
-              <a:t>Introductions, Agenda, and Pivotal Cloud Foundry at T-Mobile</a:t>
+              <a:t>Introductions, Agenda, and Pivotal Cloud Foundry </a:t>
+            </a:r>
+            <a:r>
+              <a:rPr lang="en-US" sz="2800" spc="-100" smtClean="0">
+                <a:solidFill>
+                  <a:schemeClr val="bg1"/>
+                </a:solidFill>
+                <a:effectLst>
+                  <a:outerShdw blurRad="50800" dist="38100" dir="5400000" algn="t" rotWithShape="0">
+                    <a:prstClr val="black">
+                      <a:alpha val="40000"/>
+                    </a:prstClr>
+                  </a:outerShdw>
+                </a:effectLst>
+                <a:cs typeface="Arial"/>
+              </a:rPr>
+              <a:t>at </a:t>
+            </a:r>
+            <a:r>
+              <a:rPr lang="en-US" sz="2800" spc="-100" smtClean="0">
+                <a:solidFill>
+                  <a:schemeClr val="bg1"/>
+                </a:solidFill>
+                <a:effectLst>
+                  <a:outerShdw blurRad="50800" dist="38100" dir="5400000" algn="t" rotWithShape="0">
+                    <a:prstClr val="black">
+                      <a:alpha val="40000"/>
+                    </a:prstClr>
+                  </a:outerShdw>
+                </a:effectLst>
+                <a:cs typeface="Arial"/>
+              </a:rPr>
+              <a:t>AT&amp;T</a:t>
             </a:r>
             <a:endParaRPr lang="en-US" sz="2800" spc="-100" dirty="0">
               <a:solidFill>
@@ -7537,22 +7569,28 @@
       </p:sp>
       <p:pic>
         <p:nvPicPr>
-          <p:cNvPr id="7" name="Picture 6"/>
+          <p:cNvPr id="5" name="Picture 4" descr="att_logo.png"/>
           <p:cNvPicPr>
             <a:picLocks noChangeAspect="1"/>
           </p:cNvPicPr>
           <p:nvPr/>
         </p:nvPicPr>
         <p:blipFill>
-          <a:blip r:embed="rId5"/>
+          <a:blip r:embed="rId5">
+            <a:extLst>
+              <a:ext uri="{28A0092B-C50C-407E-A947-70E740481C1C}">
+                <a14:useLocalDpi xmlns:a14="http://schemas.microsoft.com/office/drawing/2010/main" val="0"/>
+              </a:ext>
+            </a:extLst>
+          </a:blip>
           <a:stretch>
             <a:fillRect/>
           </a:stretch>
         </p:blipFill>
         <p:spPr>
           <a:xfrm>
-            <a:off x="8196204" y="1558"/>
-            <a:ext cx="947796" cy="947796"/>
+            <a:off x="8027486" y="104943"/>
+            <a:ext cx="986117" cy="977900"/>
           </a:xfrm>
           <a:prstGeom prst="rect">
             <a:avLst/>
@@ -7820,22 +7858,28 @@
       </p:pic>
       <p:pic>
         <p:nvPicPr>
-          <p:cNvPr id="9" name="Picture 8"/>
+          <p:cNvPr id="8" name="Picture 7" descr="att_logo.png"/>
           <p:cNvPicPr>
             <a:picLocks noChangeAspect="1"/>
           </p:cNvPicPr>
           <p:nvPr/>
         </p:nvPicPr>
         <p:blipFill>
-          <a:blip r:embed="rId6"/>
+          <a:blip r:embed="rId6">
+            <a:extLst>
+              <a:ext uri="{28A0092B-C50C-407E-A947-70E740481C1C}">
+                <a14:useLocalDpi xmlns:a14="http://schemas.microsoft.com/office/drawing/2010/main" val="0"/>
+              </a:ext>
+            </a:extLst>
+          </a:blip>
           <a:stretch>
             <a:fillRect/>
           </a:stretch>
         </p:blipFill>
         <p:spPr>
           <a:xfrm>
-            <a:off x="8209371" y="-130747"/>
-            <a:ext cx="947796" cy="947796"/>
+            <a:off x="8272780" y="104943"/>
+            <a:ext cx="702093" cy="696243"/>
           </a:xfrm>
           <a:prstGeom prst="rect">
             <a:avLst/>
@@ -9375,13 +9419,40 @@
               <a:t>github.com</a:t>
             </a:r>
             <a:r>
+              <a:rPr lang="en-US" sz="2000" dirty="0" smtClean="0">
+                <a:solidFill>
+                  <a:schemeClr val="accent6"/>
+                </a:solidFill>
+                <a:sym typeface="Arial"/>
+              </a:rPr>
+              <a:t>/</a:t>
+            </a:r>
+            <a:r>
+              <a:rPr lang="en-US" sz="2000" dirty="0" err="1" smtClean="0">
+                <a:solidFill>
+                  <a:schemeClr val="accent6"/>
+                </a:solidFill>
+                <a:sym typeface="Arial"/>
+              </a:rPr>
+              <a:t>phopper</a:t>
+            </a:r>
+            <a:r>
+              <a:rPr lang="en-US" sz="2000" dirty="0" smtClean="0">
+                <a:solidFill>
+                  <a:schemeClr val="accent6"/>
+                </a:solidFill>
+                <a:sym typeface="Arial"/>
+              </a:rPr>
+              <a:t>/</a:t>
+            </a:r>
+            <a:r>
               <a:rPr lang="en-US" sz="2000" dirty="0">
                 <a:solidFill>
                   <a:schemeClr val="accent6"/>
                 </a:solidFill>
                 <a:sym typeface="Arial"/>
               </a:rPr>
-              <a:t>/Pivotal-Field-Engineering/CN-Workshop-</a:t>
+              <a:t>CN-Workshop</a:t>
             </a:r>
             <a:r>
               <a:rPr lang="en-US" sz="2000" dirty="0" smtClean="0">
@@ -9390,8 +9461,23 @@
                 </a:solidFill>
                 <a:sym typeface="Arial"/>
               </a:rPr>
-              <a:t>TM</a:t>
-            </a:r>
+              <a:t>-</a:t>
+            </a:r>
+            <a:r>
+              <a:rPr lang="en-US" sz="2000" dirty="0" smtClean="0">
+                <a:solidFill>
+                  <a:schemeClr val="accent6"/>
+                </a:solidFill>
+                <a:sym typeface="Arial"/>
+              </a:rPr>
+              <a:t>ATT</a:t>
+            </a:r>
+            <a:endParaRPr lang="en-US" sz="2000" dirty="0" smtClean="0">
+              <a:solidFill>
+                <a:schemeClr val="accent6"/>
+              </a:solidFill>
+              <a:sym typeface="Arial"/>
+            </a:endParaRPr>
           </a:p>
           <a:p>
             <a:pPr marL="285750" lvl="0" indent="-285750">
@@ -9435,7 +9521,7 @@
                 </a:solidFill>
                 <a:sym typeface="Arial"/>
               </a:rPr>
-              <a:t>https://api.cfpoc2.internal.t-</a:t>
+              <a:t>https:/</a:t>
             </a:r>
             <a:r>
               <a:rPr lang="en-US" sz="2000" dirty="0" smtClean="0">
@@ -9444,8 +9530,14 @@
                 </a:solidFill>
                 <a:sym typeface="Arial"/>
               </a:rPr>
-              <a:t>mobile.com</a:t>
-            </a:r>
+              <a:t>/</a:t>
+            </a:r>
+            <a:endParaRPr lang="en-US" sz="2000" dirty="0" smtClean="0">
+              <a:solidFill>
+                <a:schemeClr val="accent6"/>
+              </a:solidFill>
+              <a:sym typeface="Arial"/>
+            </a:endParaRPr>
           </a:p>
           <a:p>
             <a:pPr marL="285750" lvl="0" indent="-285750">
@@ -9513,7 +9605,16 @@
                 </a:solidFill>
                 <a:sym typeface="Arial"/>
               </a:rPr>
-              <a:t>://apps.cfpoc2.internal.t-mobile.com</a:t>
+              <a:t>:/</a:t>
+            </a:r>
+            <a:r>
+              <a:rPr lang="en-US" sz="2000" dirty="0" smtClean="0">
+                <a:solidFill>
+                  <a:schemeClr val="accent6"/>
+                </a:solidFill>
+                <a:sym typeface="Arial"/>
+              </a:rPr>
+              <a:t>/</a:t>
             </a:r>
             <a:endParaRPr lang="en-US" sz="2000" dirty="0" smtClean="0">
               <a:solidFill>
@@ -9718,558 +9819,6 @@
           <a:chExt cx="0" cy="0"/>
         </a:xfrm>
       </p:grpSpPr>
-      <p:pic>
-        <p:nvPicPr>
-          <p:cNvPr id="6" name="Picture 11" descr="C:\Users\Abject-3D\Desktop\VMWare Files\FINAL diagrams\Basic Virtualization\3D PNGs\VMW_10Q2_DGRM_PrivateCloudFed_Comm_9.png"/>
-          <p:cNvPicPr>
-            <a:picLocks noChangeAspect="1" noChangeArrowheads="1"/>
-          </p:cNvPicPr>
-          <p:nvPr/>
-        </p:nvPicPr>
-        <p:blipFill>
-          <a:blip r:embed="rId3">
-            <a:lum bright="3000" contrast="-13000"/>
-          </a:blip>
-          <a:srcRect/>
-          <a:stretch>
-            <a:fillRect/>
-          </a:stretch>
-        </p:blipFill>
-        <p:spPr bwMode="auto">
-          <a:xfrm>
-            <a:off x="1557379" y="3036750"/>
-            <a:ext cx="1160285" cy="728264"/>
-          </a:xfrm>
-          <a:prstGeom prst="rect">
-            <a:avLst/>
-          </a:prstGeom>
-          <a:noFill/>
-        </p:spPr>
-      </p:pic>
-      <p:pic>
-        <p:nvPicPr>
-          <p:cNvPr id="7" name="Picture 11" descr="C:\Users\Abject-3D\Desktop\VMWare Files\FINAL diagrams\Basic Virtualization\3D PNGs\VMW_10Q2_DGRM_PrivateCloudFed_Comm_9.png"/>
-          <p:cNvPicPr>
-            <a:picLocks noChangeAspect="1" noChangeArrowheads="1"/>
-          </p:cNvPicPr>
-          <p:nvPr/>
-        </p:nvPicPr>
-        <p:blipFill>
-          <a:blip r:embed="rId3">
-            <a:lum bright="3000" contrast="-13000"/>
-          </a:blip>
-          <a:srcRect/>
-          <a:stretch>
-            <a:fillRect/>
-          </a:stretch>
-        </p:blipFill>
-        <p:spPr bwMode="auto">
-          <a:xfrm>
-            <a:off x="2603462" y="2985733"/>
-            <a:ext cx="1160285" cy="728264"/>
-          </a:xfrm>
-          <a:prstGeom prst="rect">
-            <a:avLst/>
-          </a:prstGeom>
-          <a:noFill/>
-        </p:spPr>
-      </p:pic>
-      <p:pic>
-        <p:nvPicPr>
-          <p:cNvPr id="8" name="Picture 11" descr="C:\Users\Abject-3D\Desktop\VMWare Files\FINAL diagrams\Basic Virtualization\3D PNGs\VMW_10Q2_DGRM_PrivateCloudFed_Comm_9.png"/>
-          <p:cNvPicPr>
-            <a:picLocks noChangeAspect="1" noChangeArrowheads="1"/>
-          </p:cNvPicPr>
-          <p:nvPr/>
-        </p:nvPicPr>
-        <p:blipFill>
-          <a:blip r:embed="rId3">
-            <a:lum bright="3000" contrast="-13000"/>
-          </a:blip>
-          <a:srcRect/>
-          <a:stretch>
-            <a:fillRect/>
-          </a:stretch>
-        </p:blipFill>
-        <p:spPr bwMode="auto">
-          <a:xfrm>
-            <a:off x="2017255" y="3035906"/>
-            <a:ext cx="1321032" cy="823012"/>
-          </a:xfrm>
-          <a:prstGeom prst="rect">
-            <a:avLst/>
-          </a:prstGeom>
-          <a:noFill/>
-        </p:spPr>
-      </p:pic>
-      <p:sp>
-        <p:nvSpPr>
-          <p:cNvPr id="10" name="Rounded Rectangle 9"/>
-          <p:cNvSpPr/>
-          <p:nvPr/>
-        </p:nvSpPr>
-        <p:spPr>
-          <a:xfrm>
-            <a:off x="4318000" y="532190"/>
-            <a:ext cx="4572000" cy="4022879"/>
-          </a:xfrm>
-          <a:prstGeom prst="roundRect">
-            <a:avLst/>
-          </a:prstGeom>
-          <a:solidFill>
-            <a:schemeClr val="bg1"/>
-          </a:solidFill>
-          <a:ln w="28575" cmpd="sng">
-            <a:solidFill>
-              <a:srgbClr val="FFFF00"/>
-            </a:solidFill>
-            <a:prstDash val="sysDash"/>
-          </a:ln>
-        </p:spPr>
-        <p:style>
-          <a:lnRef idx="2">
-            <a:schemeClr val="accent1">
-              <a:shade val="50000"/>
-            </a:schemeClr>
-          </a:lnRef>
-          <a:fillRef idx="1">
-            <a:schemeClr val="accent1"/>
-          </a:fillRef>
-          <a:effectRef idx="0">
-            <a:schemeClr val="accent1"/>
-          </a:effectRef>
-          <a:fontRef idx="minor">
-            <a:schemeClr val="lt1"/>
-          </a:fontRef>
-        </p:style>
-        <p:txBody>
-          <a:bodyPr rtlCol="0" anchor="ctr"/>
-          <a:lstStyle/>
-          <a:p>
-            <a:pPr algn="ctr"/>
-            <a:endParaRPr lang="en-US"/>
-          </a:p>
-        </p:txBody>
-      </p:sp>
-      <p:sp>
-        <p:nvSpPr>
-          <p:cNvPr id="11" name="Rounded Rectangle 10"/>
-          <p:cNvSpPr/>
-          <p:nvPr/>
-        </p:nvSpPr>
-        <p:spPr bwMode="auto">
-          <a:xfrm>
-            <a:off x="2092477" y="1136952"/>
-            <a:ext cx="1895904" cy="822477"/>
-          </a:xfrm>
-          <a:prstGeom prst="roundRect">
-            <a:avLst/>
-          </a:prstGeom>
-          <a:solidFill>
-            <a:schemeClr val="accent1"/>
-          </a:solidFill>
-          <a:ln w="12700">
-            <a:solidFill>
-              <a:srgbClr val="EEECE1"/>
-            </a:solidFill>
-            <a:headEnd type="none" w="med" len="med"/>
-            <a:tailEnd type="none" w="med" len="med"/>
-          </a:ln>
-          <a:effectLst/>
-          <a:scene3d>
-            <a:camera prst="orthographicFront"/>
-            <a:lightRig rig="threePt" dir="t"/>
-          </a:scene3d>
-          <a:sp3d>
-            <a:bevelT w="31750" h="6350"/>
-          </a:sp3d>
-        </p:spPr>
-        <p:style>
-          <a:lnRef idx="1">
-            <a:schemeClr val="accent4"/>
-          </a:lnRef>
-          <a:fillRef idx="3">
-            <a:schemeClr val="accent4"/>
-          </a:fillRef>
-          <a:effectRef idx="2">
-            <a:schemeClr val="accent4"/>
-          </a:effectRef>
-          <a:fontRef idx="minor">
-            <a:schemeClr val="lt1"/>
-          </a:fontRef>
-        </p:style>
-        <p:txBody>
-          <a:bodyPr anchor="ctr"/>
-          <a:lstStyle/>
-          <a:p>
-            <a:pPr>
-              <a:spcAft>
-                <a:spcPts val="600"/>
-              </a:spcAft>
-              <a:defRPr/>
-            </a:pPr>
-            <a:r>
-              <a:rPr lang="en-US" sz="1600" b="1" dirty="0" err="1" smtClean="0">
-                <a:solidFill>
-                  <a:schemeClr val="bg1"/>
-                </a:solidFill>
-              </a:rPr>
-              <a:t>vCenter</a:t>
-            </a:r>
-            <a:endParaRPr lang="en-US" sz="1600" b="1" dirty="0" smtClean="0">
-              <a:solidFill>
-                <a:schemeClr val="bg1"/>
-              </a:solidFill>
-            </a:endParaRPr>
-          </a:p>
-          <a:p>
-            <a:pPr>
-              <a:spcAft>
-                <a:spcPts val="600"/>
-              </a:spcAft>
-              <a:defRPr/>
-            </a:pPr>
-            <a:r>
-              <a:rPr lang="en-US" sz="1000" b="1" dirty="0" smtClean="0">
-                <a:solidFill>
-                  <a:schemeClr val="bg1"/>
-                </a:solidFill>
-              </a:rPr>
-              <a:t>Network A</a:t>
-            </a:r>
-          </a:p>
-        </p:txBody>
-      </p:sp>
-      <p:pic>
-        <p:nvPicPr>
-          <p:cNvPr id="12" name="Picture 2" descr="C:\Users\Abject-3D\Desktop\VMWare Files\FINAL diagrams\Basic Virtualization\3D PNGs\DGRM_FT_Q109_0.png"/>
-          <p:cNvPicPr>
-            <a:picLocks noChangeAspect="1" noChangeArrowheads="1"/>
-          </p:cNvPicPr>
-          <p:nvPr/>
-        </p:nvPicPr>
-        <p:blipFill>
-          <a:blip r:embed="rId4"/>
-          <a:srcRect/>
-          <a:stretch>
-            <a:fillRect/>
-          </a:stretch>
-        </p:blipFill>
-        <p:spPr bwMode="auto">
-          <a:xfrm rot="16672787">
-            <a:off x="2865173" y="954486"/>
-            <a:ext cx="1939258" cy="1266982"/>
-          </a:xfrm>
-          <a:prstGeom prst="rect">
-            <a:avLst/>
-          </a:prstGeom>
-          <a:noFill/>
-        </p:spPr>
-      </p:pic>
-      <p:pic>
-        <p:nvPicPr>
-          <p:cNvPr id="13" name="Picture 12"/>
-          <p:cNvPicPr>
-            <a:picLocks noChangeAspect="1"/>
-          </p:cNvPicPr>
-          <p:nvPr/>
-        </p:nvPicPr>
-        <p:blipFill>
-          <a:blip r:embed="rId5"/>
-          <a:stretch>
-            <a:fillRect/>
-          </a:stretch>
-        </p:blipFill>
-        <p:spPr>
-          <a:xfrm>
-            <a:off x="4436267" y="1595969"/>
-            <a:ext cx="2539999" cy="1566258"/>
-          </a:xfrm>
-          <a:prstGeom prst="rect">
-            <a:avLst/>
-          </a:prstGeom>
-        </p:spPr>
-      </p:pic>
-      <p:pic>
-        <p:nvPicPr>
-          <p:cNvPr id="14" name="Picture 6" descr="C:\Users\Abject-3D\Desktop\VMWare Files\FINAL diagrams\Basic Virtualization\3D PNGs\DGRM_VirtualSMP_Q210_Comm_4.png"/>
-          <p:cNvPicPr>
-            <a:picLocks noChangeAspect="1" noChangeArrowheads="1"/>
-          </p:cNvPicPr>
-          <p:nvPr/>
-        </p:nvPicPr>
-        <p:blipFill>
-          <a:blip r:embed="rId6"/>
-          <a:srcRect/>
-          <a:stretch>
-            <a:fillRect/>
-          </a:stretch>
-        </p:blipFill>
-        <p:spPr bwMode="auto">
-          <a:xfrm>
-            <a:off x="4557218" y="3523978"/>
-            <a:ext cx="2370668" cy="506573"/>
-          </a:xfrm>
-          <a:prstGeom prst="rect">
-            <a:avLst/>
-          </a:prstGeom>
-          <a:noFill/>
-        </p:spPr>
-      </p:pic>
-      <p:sp>
-        <p:nvSpPr>
-          <p:cNvPr id="15" name="Rounded Rectangle 14"/>
-          <p:cNvSpPr/>
-          <p:nvPr/>
-        </p:nvSpPr>
-        <p:spPr bwMode="auto">
-          <a:xfrm>
-            <a:off x="4557219" y="3138718"/>
-            <a:ext cx="2382762" cy="350762"/>
-          </a:xfrm>
-          <a:prstGeom prst="roundRect">
-            <a:avLst/>
-          </a:prstGeom>
-          <a:solidFill>
-            <a:srgbClr val="F79646"/>
-          </a:solidFill>
-          <a:ln w="12700">
-            <a:solidFill>
-              <a:schemeClr val="accent1">
-                <a:lumMod val="75000"/>
-              </a:schemeClr>
-            </a:solidFill>
-            <a:headEnd type="none" w="med" len="med"/>
-            <a:tailEnd type="none" w="med" len="med"/>
-          </a:ln>
-          <a:effectLst/>
-          <a:scene3d>
-            <a:camera prst="orthographicFront"/>
-            <a:lightRig rig="threePt" dir="t"/>
-          </a:scene3d>
-          <a:sp3d>
-            <a:bevelT w="31750" h="6350"/>
-          </a:sp3d>
-        </p:spPr>
-        <p:style>
-          <a:lnRef idx="1">
-            <a:schemeClr val="accent4"/>
-          </a:lnRef>
-          <a:fillRef idx="3">
-            <a:schemeClr val="accent4"/>
-          </a:fillRef>
-          <a:effectRef idx="2">
-            <a:schemeClr val="accent4"/>
-          </a:effectRef>
-          <a:fontRef idx="minor">
-            <a:schemeClr val="lt1"/>
-          </a:fontRef>
-        </p:style>
-        <p:txBody>
-          <a:bodyPr anchor="ctr"/>
-          <a:lstStyle/>
-          <a:p>
-            <a:pPr algn="ctr">
-              <a:spcAft>
-                <a:spcPts val="600"/>
-              </a:spcAft>
-              <a:defRPr/>
-            </a:pPr>
-            <a:r>
-              <a:rPr lang="en-US" sz="1200" dirty="0" smtClean="0">
-                <a:solidFill>
-                  <a:schemeClr val="bg1"/>
-                </a:solidFill>
-              </a:rPr>
-              <a:t>BOSH</a:t>
-            </a:r>
-            <a:endParaRPr lang="en-US" sz="1000" dirty="0" smtClean="0">
-              <a:solidFill>
-                <a:schemeClr val="bg1"/>
-              </a:solidFill>
-            </a:endParaRPr>
-          </a:p>
-        </p:txBody>
-      </p:sp>
-      <p:pic>
-        <p:nvPicPr>
-          <p:cNvPr id="16" name="Picture 4" descr="C:\Users\Abject-3D\Desktop\VMWare Files\FINAL diagrams\Basic Virtualization\3D PNGs\VMW_10Q2_DGRM_vShield_App_R2_18.png"/>
-          <p:cNvPicPr>
-            <a:picLocks noChangeAspect="1" noChangeArrowheads="1"/>
-          </p:cNvPicPr>
-          <p:nvPr/>
-        </p:nvPicPr>
-        <p:blipFill>
-          <a:blip r:embed="rId7"/>
-          <a:srcRect/>
-          <a:stretch>
-            <a:fillRect/>
-          </a:stretch>
-        </p:blipFill>
-        <p:spPr bwMode="auto">
-          <a:xfrm>
-            <a:off x="6242150" y="4233331"/>
-            <a:ext cx="1057416" cy="628953"/>
-          </a:xfrm>
-          <a:prstGeom prst="rect">
-            <a:avLst/>
-          </a:prstGeom>
-          <a:noFill/>
-        </p:spPr>
-      </p:pic>
-      <p:sp>
-        <p:nvSpPr>
-          <p:cNvPr id="17" name="TextBox 16"/>
-          <p:cNvSpPr txBox="1"/>
-          <p:nvPr/>
-        </p:nvSpPr>
-        <p:spPr>
-          <a:xfrm>
-            <a:off x="5204875" y="4272048"/>
-            <a:ext cx="1007899" cy="253916"/>
-          </a:xfrm>
-          <a:prstGeom prst="rect">
-            <a:avLst/>
-          </a:prstGeom>
-          <a:noFill/>
-        </p:spPr>
-        <p:txBody>
-          <a:bodyPr wrap="none" rtlCol="0">
-            <a:spAutoFit/>
-          </a:bodyPr>
-          <a:lstStyle/>
-          <a:p>
-            <a:pPr algn="ctr"/>
-            <a:r>
-              <a:rPr lang="en-US" sz="1050" dirty="0" smtClean="0">
-                <a:solidFill>
-                  <a:srgbClr val="000000"/>
-                </a:solidFill>
-              </a:rPr>
-              <a:t>[ 6 x </a:t>
-            </a:r>
-            <a:r>
-              <a:rPr lang="en-US" sz="1050" dirty="0" err="1" smtClean="0">
-                <a:solidFill>
-                  <a:srgbClr val="000000"/>
-                </a:solidFill>
-              </a:rPr>
-              <a:t>Nutanix</a:t>
-            </a:r>
-            <a:r>
-              <a:rPr lang="en-US" sz="1050" dirty="0" smtClean="0">
-                <a:solidFill>
-                  <a:srgbClr val="000000"/>
-                </a:solidFill>
-              </a:rPr>
-              <a:t> ]</a:t>
-            </a:r>
-          </a:p>
-        </p:txBody>
-      </p:sp>
-      <p:sp>
-        <p:nvSpPr>
-          <p:cNvPr id="18" name="Rounded Rectangle 17"/>
-          <p:cNvSpPr/>
-          <p:nvPr/>
-        </p:nvSpPr>
-        <p:spPr bwMode="auto">
-          <a:xfrm>
-            <a:off x="7027333" y="2938946"/>
-            <a:ext cx="1572381" cy="788238"/>
-          </a:xfrm>
-          <a:prstGeom prst="roundRect">
-            <a:avLst/>
-          </a:prstGeom>
-          <a:gradFill>
-            <a:gsLst>
-              <a:gs pos="0">
-                <a:srgbClr val="037BB1"/>
-              </a:gs>
-              <a:gs pos="83000">
-                <a:srgbClr val="0383BD">
-                  <a:alpha val="64000"/>
-                </a:srgbClr>
-              </a:gs>
-            </a:gsLst>
-          </a:gradFill>
-          <a:ln w="12700">
-            <a:solidFill>
-              <a:schemeClr val="accent1">
-                <a:lumMod val="75000"/>
-              </a:schemeClr>
-            </a:solidFill>
-            <a:headEnd type="none" w="med" len="med"/>
-            <a:tailEnd type="none" w="med" len="med"/>
-          </a:ln>
-          <a:effectLst/>
-          <a:scene3d>
-            <a:camera prst="orthographicFront"/>
-            <a:lightRig rig="threePt" dir="t"/>
-          </a:scene3d>
-          <a:sp3d>
-            <a:bevelT w="31750" h="6350"/>
-          </a:sp3d>
-        </p:spPr>
-        <p:style>
-          <a:lnRef idx="1">
-            <a:schemeClr val="accent4"/>
-          </a:lnRef>
-          <a:fillRef idx="3">
-            <a:schemeClr val="accent4"/>
-          </a:fillRef>
-          <a:effectRef idx="2">
-            <a:schemeClr val="accent4"/>
-          </a:effectRef>
-          <a:fontRef idx="minor">
-            <a:schemeClr val="lt1"/>
-          </a:fontRef>
-        </p:style>
-        <p:txBody>
-          <a:bodyPr anchor="ctr"/>
-          <a:lstStyle/>
-          <a:p>
-            <a:pPr algn="ctr">
-              <a:spcAft>
-                <a:spcPts val="600"/>
-              </a:spcAft>
-              <a:defRPr/>
-            </a:pPr>
-            <a:r>
-              <a:rPr lang="en-US" sz="1400" b="1" dirty="0" err="1" smtClean="0">
-                <a:solidFill>
-                  <a:schemeClr val="bg1"/>
-                </a:solidFill>
-              </a:rPr>
-              <a:t>DataStax</a:t>
-            </a:r>
-            <a:r>
-              <a:rPr lang="en-US" sz="1400" b="1" dirty="0" smtClean="0">
-                <a:solidFill>
-                  <a:schemeClr val="bg1"/>
-                </a:solidFill>
-              </a:rPr>
-              <a:t> /</a:t>
-            </a:r>
-          </a:p>
-          <a:p>
-            <a:pPr algn="ctr">
-              <a:spcAft>
-                <a:spcPts val="600"/>
-              </a:spcAft>
-              <a:defRPr/>
-            </a:pPr>
-            <a:r>
-              <a:rPr lang="en-US" sz="1400" b="1" dirty="0" smtClean="0">
-                <a:solidFill>
-                  <a:schemeClr val="bg1"/>
-                </a:solidFill>
-              </a:rPr>
-              <a:t>Cassandra</a:t>
-            </a:r>
-          </a:p>
-        </p:txBody>
-      </p:sp>
       <p:sp>
         <p:nvSpPr>
           <p:cNvPr id="19" name="TextBox 18"/>
@@ -10311,1032 +9860,6 @@
       </p:sp>
       <p:sp>
         <p:nvSpPr>
-          <p:cNvPr id="20" name="Rounded Rectangle 19"/>
-          <p:cNvSpPr/>
-          <p:nvPr/>
-        </p:nvSpPr>
-        <p:spPr bwMode="auto">
-          <a:xfrm>
-            <a:off x="2250111" y="2515810"/>
-            <a:ext cx="1128889" cy="594646"/>
-          </a:xfrm>
-          <a:prstGeom prst="roundRect">
-            <a:avLst/>
-          </a:prstGeom>
-          <a:solidFill>
-            <a:schemeClr val="accent6"/>
-          </a:solidFill>
-          <a:ln w="12700">
-            <a:solidFill>
-              <a:srgbClr val="EEECE1"/>
-            </a:solidFill>
-            <a:headEnd type="none" w="med" len="med"/>
-            <a:tailEnd type="none" w="med" len="med"/>
-          </a:ln>
-          <a:effectLst/>
-          <a:scene3d>
-            <a:camera prst="orthographicFront"/>
-            <a:lightRig rig="threePt" dir="t"/>
-          </a:scene3d>
-          <a:sp3d>
-            <a:bevelT w="31750" h="6350"/>
-          </a:sp3d>
-        </p:spPr>
-        <p:style>
-          <a:lnRef idx="1">
-            <a:schemeClr val="accent4"/>
-          </a:lnRef>
-          <a:fillRef idx="3">
-            <a:schemeClr val="accent4"/>
-          </a:fillRef>
-          <a:effectRef idx="2">
-            <a:schemeClr val="accent4"/>
-          </a:effectRef>
-          <a:fontRef idx="minor">
-            <a:schemeClr val="lt1"/>
-          </a:fontRef>
-        </p:style>
-        <p:txBody>
-          <a:bodyPr anchor="ctr"/>
-          <a:lstStyle/>
-          <a:p>
-            <a:pPr algn="ctr">
-              <a:spcAft>
-                <a:spcPts val="600"/>
-              </a:spcAft>
-              <a:defRPr/>
-            </a:pPr>
-            <a:r>
-              <a:rPr lang="en-US" sz="1400" b="1" dirty="0" err="1" smtClean="0">
-                <a:solidFill>
-                  <a:schemeClr val="bg1"/>
-                </a:solidFill>
-              </a:rPr>
-              <a:t>Apigee</a:t>
-            </a:r>
-            <a:endParaRPr lang="en-US" sz="1400" b="1" dirty="0" smtClean="0">
-              <a:solidFill>
-                <a:schemeClr val="bg1"/>
-              </a:solidFill>
-            </a:endParaRPr>
-          </a:p>
-        </p:txBody>
-      </p:sp>
-      <p:sp>
-        <p:nvSpPr>
-          <p:cNvPr id="21" name="Rectangle 20"/>
-          <p:cNvSpPr/>
-          <p:nvPr/>
-        </p:nvSpPr>
-        <p:spPr>
-          <a:xfrm>
-            <a:off x="7048501" y="1866298"/>
-            <a:ext cx="1739900" cy="900246"/>
-          </a:xfrm>
-          <a:prstGeom prst="rect">
-            <a:avLst/>
-          </a:prstGeom>
-        </p:spPr>
-        <p:txBody>
-          <a:bodyPr wrap="square">
-            <a:spAutoFit/>
-          </a:bodyPr>
-          <a:lstStyle/>
-          <a:p>
-            <a:r>
-              <a:rPr lang="en-US" sz="1050" dirty="0" smtClean="0">
-                <a:solidFill>
-                  <a:srgbClr val="000000"/>
-                </a:solidFill>
-              </a:rPr>
-              <a:t>PCF /22 Net B</a:t>
-            </a:r>
-          </a:p>
-          <a:p>
-            <a:endParaRPr lang="en-US" sz="1050" dirty="0">
-              <a:solidFill>
-                <a:srgbClr val="000000"/>
-              </a:solidFill>
-            </a:endParaRPr>
-          </a:p>
-          <a:p>
-            <a:r>
-              <a:rPr lang="en-US" sz="1050" dirty="0">
-                <a:solidFill>
-                  <a:srgbClr val="000000"/>
-                </a:solidFill>
-              </a:rPr>
-              <a:t>BOSH </a:t>
-            </a:r>
-            <a:r>
-              <a:rPr lang="en-US" sz="1050" dirty="0" smtClean="0">
-                <a:solidFill>
-                  <a:srgbClr val="000000"/>
-                </a:solidFill>
-              </a:rPr>
-              <a:t>Net A, B</a:t>
-            </a:r>
-          </a:p>
-          <a:p>
-            <a:endParaRPr lang="en-US" sz="1050" dirty="0">
-              <a:solidFill>
-                <a:srgbClr val="000000"/>
-              </a:solidFill>
-            </a:endParaRPr>
-          </a:p>
-          <a:p>
-            <a:r>
-              <a:rPr lang="en-US" sz="1050" dirty="0" smtClean="0">
-                <a:solidFill>
-                  <a:srgbClr val="000000"/>
-                </a:solidFill>
-              </a:rPr>
-              <a:t>Cassandra Net TBD</a:t>
-            </a:r>
-            <a:endParaRPr lang="en-US" sz="1050" dirty="0">
-              <a:solidFill>
-                <a:srgbClr val="000000"/>
-              </a:solidFill>
-            </a:endParaRPr>
-          </a:p>
-        </p:txBody>
-      </p:sp>
-      <p:pic>
-        <p:nvPicPr>
-          <p:cNvPr id="22" name="Picture 7" descr="C:\Users\Abject-3D\Desktop\VMWare Files\FINAL diagrams\Basic Virtualization\3D PNGs\DGRM_VirtualSMP_Q210_Comm_5.png"/>
-          <p:cNvPicPr>
-            <a:picLocks noChangeAspect="1" noChangeArrowheads="1"/>
-          </p:cNvPicPr>
-          <p:nvPr/>
-        </p:nvPicPr>
-        <p:blipFill>
-          <a:blip r:embed="rId8"/>
-          <a:srcRect/>
-          <a:stretch>
-            <a:fillRect/>
-          </a:stretch>
-        </p:blipFill>
-        <p:spPr bwMode="auto">
-          <a:xfrm>
-            <a:off x="2246790" y="3097936"/>
-            <a:ext cx="1124512" cy="266628"/>
-          </a:xfrm>
-          <a:prstGeom prst="rect">
-            <a:avLst/>
-          </a:prstGeom>
-          <a:noFill/>
-        </p:spPr>
-      </p:pic>
-      <p:sp>
-        <p:nvSpPr>
-          <p:cNvPr id="23" name="Rounded Rectangle 22"/>
-          <p:cNvSpPr/>
-          <p:nvPr/>
-        </p:nvSpPr>
-        <p:spPr bwMode="auto">
-          <a:xfrm>
-            <a:off x="144874" y="3664152"/>
-            <a:ext cx="1128889" cy="788238"/>
-          </a:xfrm>
-          <a:prstGeom prst="roundRect">
-            <a:avLst/>
-          </a:prstGeom>
-          <a:solidFill>
-            <a:srgbClr val="DA00C4">
-              <a:alpha val="80000"/>
-            </a:srgbClr>
-          </a:solidFill>
-          <a:ln w="12700">
-            <a:solidFill>
-              <a:srgbClr val="EEECE1"/>
-            </a:solidFill>
-            <a:headEnd type="none" w="med" len="med"/>
-            <a:tailEnd type="none" w="med" len="med"/>
-          </a:ln>
-          <a:effectLst/>
-          <a:scene3d>
-            <a:camera prst="orthographicFront"/>
-            <a:lightRig rig="threePt" dir="t"/>
-          </a:scene3d>
-          <a:sp3d>
-            <a:bevelT w="31750" h="6350"/>
-          </a:sp3d>
-        </p:spPr>
-        <p:style>
-          <a:lnRef idx="1">
-            <a:schemeClr val="accent4"/>
-          </a:lnRef>
-          <a:fillRef idx="3">
-            <a:schemeClr val="accent4"/>
-          </a:fillRef>
-          <a:effectRef idx="2">
-            <a:schemeClr val="accent4"/>
-          </a:effectRef>
-          <a:fontRef idx="minor">
-            <a:schemeClr val="lt1"/>
-          </a:fontRef>
-        </p:style>
-        <p:txBody>
-          <a:bodyPr anchor="ctr"/>
-          <a:lstStyle/>
-          <a:p>
-            <a:pPr algn="ctr">
-              <a:spcAft>
-                <a:spcPts val="600"/>
-              </a:spcAft>
-              <a:defRPr/>
-            </a:pPr>
-            <a:r>
-              <a:rPr lang="en-US" sz="1400" b="1" dirty="0" smtClean="0">
-                <a:solidFill>
-                  <a:schemeClr val="bg1"/>
-                </a:solidFill>
-              </a:rPr>
-              <a:t>Legacy</a:t>
-            </a:r>
-          </a:p>
-        </p:txBody>
-      </p:sp>
-      <p:sp>
-        <p:nvSpPr>
-          <p:cNvPr id="24" name="Rounded Rectangle 23"/>
-          <p:cNvSpPr/>
-          <p:nvPr/>
-        </p:nvSpPr>
-        <p:spPr bwMode="auto">
-          <a:xfrm>
-            <a:off x="137348" y="2832976"/>
-            <a:ext cx="1128889" cy="788238"/>
-          </a:xfrm>
-          <a:prstGeom prst="roundRect">
-            <a:avLst/>
-          </a:prstGeom>
-          <a:solidFill>
-            <a:srgbClr val="DA00C4">
-              <a:alpha val="80000"/>
-            </a:srgbClr>
-          </a:solidFill>
-          <a:ln w="12700">
-            <a:solidFill>
-              <a:srgbClr val="EEECE1"/>
-            </a:solidFill>
-            <a:headEnd type="none" w="med" len="med"/>
-            <a:tailEnd type="none" w="med" len="med"/>
-          </a:ln>
-          <a:effectLst/>
-          <a:scene3d>
-            <a:camera prst="orthographicFront"/>
-            <a:lightRig rig="threePt" dir="t"/>
-          </a:scene3d>
-          <a:sp3d>
-            <a:bevelT w="31750" h="6350"/>
-          </a:sp3d>
-        </p:spPr>
-        <p:style>
-          <a:lnRef idx="1">
-            <a:schemeClr val="accent4"/>
-          </a:lnRef>
-          <a:fillRef idx="3">
-            <a:schemeClr val="accent4"/>
-          </a:fillRef>
-          <a:effectRef idx="2">
-            <a:schemeClr val="accent4"/>
-          </a:effectRef>
-          <a:fontRef idx="minor">
-            <a:schemeClr val="lt1"/>
-          </a:fontRef>
-        </p:style>
-        <p:txBody>
-          <a:bodyPr anchor="ctr"/>
-          <a:lstStyle/>
-          <a:p>
-            <a:pPr algn="ctr">
-              <a:spcAft>
-                <a:spcPts val="600"/>
-              </a:spcAft>
-              <a:defRPr/>
-            </a:pPr>
-            <a:r>
-              <a:rPr lang="en-US" sz="1400" b="1" dirty="0" smtClean="0">
-                <a:solidFill>
-                  <a:schemeClr val="bg1"/>
-                </a:solidFill>
-              </a:rPr>
-              <a:t>SQL</a:t>
-            </a:r>
-          </a:p>
-        </p:txBody>
-      </p:sp>
-      <p:sp>
-        <p:nvSpPr>
-          <p:cNvPr id="25" name="Rounded Rectangle 24"/>
-          <p:cNvSpPr/>
-          <p:nvPr/>
-        </p:nvSpPr>
-        <p:spPr bwMode="auto">
-          <a:xfrm>
-            <a:off x="137351" y="1972699"/>
-            <a:ext cx="1128889" cy="788238"/>
-          </a:xfrm>
-          <a:prstGeom prst="roundRect">
-            <a:avLst/>
-          </a:prstGeom>
-          <a:solidFill>
-            <a:srgbClr val="DA00C4">
-              <a:alpha val="80000"/>
-            </a:srgbClr>
-          </a:solidFill>
-          <a:ln w="12700">
-            <a:solidFill>
-              <a:srgbClr val="EEECE1"/>
-            </a:solidFill>
-            <a:headEnd type="none" w="med" len="med"/>
-            <a:tailEnd type="none" w="med" len="med"/>
-          </a:ln>
-          <a:effectLst/>
-          <a:scene3d>
-            <a:camera prst="orthographicFront"/>
-            <a:lightRig rig="threePt" dir="t"/>
-          </a:scene3d>
-          <a:sp3d>
-            <a:bevelT w="31750" h="6350"/>
-          </a:sp3d>
-        </p:spPr>
-        <p:style>
-          <a:lnRef idx="1">
-            <a:schemeClr val="accent4"/>
-          </a:lnRef>
-          <a:fillRef idx="3">
-            <a:schemeClr val="accent4"/>
-          </a:fillRef>
-          <a:effectRef idx="2">
-            <a:schemeClr val="accent4"/>
-          </a:effectRef>
-          <a:fontRef idx="minor">
-            <a:schemeClr val="lt1"/>
-          </a:fontRef>
-        </p:style>
-        <p:txBody>
-          <a:bodyPr anchor="ctr"/>
-          <a:lstStyle/>
-          <a:p>
-            <a:pPr algn="ctr">
-              <a:spcAft>
-                <a:spcPts val="600"/>
-              </a:spcAft>
-              <a:defRPr/>
-            </a:pPr>
-            <a:r>
-              <a:rPr lang="en-US" sz="1400" b="1" dirty="0" smtClean="0">
-                <a:solidFill>
-                  <a:schemeClr val="bg1"/>
-                </a:solidFill>
-              </a:rPr>
-              <a:t>TIBCO</a:t>
-            </a:r>
-          </a:p>
-        </p:txBody>
-      </p:sp>
-      <p:sp>
-        <p:nvSpPr>
-          <p:cNvPr id="26" name="TextBox 25"/>
-          <p:cNvSpPr txBox="1"/>
-          <p:nvPr/>
-        </p:nvSpPr>
-        <p:spPr>
-          <a:xfrm>
-            <a:off x="3390467" y="2811841"/>
-            <a:ext cx="929658" cy="253916"/>
-          </a:xfrm>
-          <a:prstGeom prst="rect">
-            <a:avLst/>
-          </a:prstGeom>
-          <a:noFill/>
-          <a:ln>
-            <a:noFill/>
-          </a:ln>
-        </p:spPr>
-        <p:txBody>
-          <a:bodyPr wrap="none" rtlCol="0">
-            <a:spAutoFit/>
-          </a:bodyPr>
-          <a:lstStyle/>
-          <a:p>
-            <a:pPr algn="ctr"/>
-            <a:r>
-              <a:rPr lang="en-US" sz="1050" dirty="0" smtClean="0">
-                <a:solidFill>
-                  <a:schemeClr val="bg1"/>
-                </a:solidFill>
-              </a:rPr>
-              <a:t>Ports: 80/443</a:t>
-            </a:r>
-          </a:p>
-        </p:txBody>
-      </p:sp>
-      <p:cxnSp>
-        <p:nvCxnSpPr>
-          <p:cNvPr id="27" name="Straight Connector 26"/>
-          <p:cNvCxnSpPr/>
-          <p:nvPr/>
-        </p:nvCxnSpPr>
-        <p:spPr>
-          <a:xfrm flipH="1" flipV="1">
-            <a:off x="1420519" y="751618"/>
-            <a:ext cx="9407" cy="3838223"/>
-          </a:xfrm>
-          <a:prstGeom prst="line">
-            <a:avLst/>
-          </a:prstGeom>
-          <a:ln w="28575" cmpd="sng">
-            <a:solidFill>
-              <a:schemeClr val="bg2"/>
-            </a:solidFill>
-            <a:prstDash val="sysDash"/>
-          </a:ln>
-        </p:spPr>
-        <p:style>
-          <a:lnRef idx="1">
-            <a:schemeClr val="accent1"/>
-          </a:lnRef>
-          <a:fillRef idx="0">
-            <a:schemeClr val="accent1"/>
-          </a:fillRef>
-          <a:effectRef idx="0">
-            <a:schemeClr val="accent1"/>
-          </a:effectRef>
-          <a:fontRef idx="minor">
-            <a:schemeClr val="tx1"/>
-          </a:fontRef>
-        </p:style>
-      </p:cxnSp>
-      <p:sp>
-        <p:nvSpPr>
-          <p:cNvPr id="28" name="TextBox 27"/>
-          <p:cNvSpPr txBox="1"/>
-          <p:nvPr/>
-        </p:nvSpPr>
-        <p:spPr>
-          <a:xfrm>
-            <a:off x="0" y="708219"/>
-            <a:ext cx="1335852" cy="430887"/>
-          </a:xfrm>
-          <a:prstGeom prst="rect">
-            <a:avLst/>
-          </a:prstGeom>
-          <a:noFill/>
-          <a:ln>
-            <a:noFill/>
-          </a:ln>
-        </p:spPr>
-        <p:txBody>
-          <a:bodyPr wrap="square" rtlCol="0">
-            <a:spAutoFit/>
-          </a:bodyPr>
-          <a:lstStyle/>
-          <a:p>
-            <a:pPr algn="ctr"/>
-            <a:r>
-              <a:rPr lang="en-US" sz="1100" b="1" dirty="0" smtClean="0">
-                <a:solidFill>
-                  <a:srgbClr val="FFFFFF"/>
-                </a:solidFill>
-              </a:rPr>
-              <a:t>Location</a:t>
-            </a:r>
-          </a:p>
-          <a:p>
-            <a:pPr algn="ctr"/>
-            <a:r>
-              <a:rPr lang="en-US" sz="1100" b="1" dirty="0" smtClean="0">
-                <a:solidFill>
-                  <a:srgbClr val="FFFFFF"/>
-                </a:solidFill>
-              </a:rPr>
-              <a:t>Independent</a:t>
-            </a:r>
-            <a:endParaRPr lang="en-US" sz="800" dirty="0" smtClean="0">
-              <a:solidFill>
-                <a:srgbClr val="FFFFFF"/>
-              </a:solidFill>
-            </a:endParaRPr>
-          </a:p>
-        </p:txBody>
-      </p:sp>
-      <p:cxnSp>
-        <p:nvCxnSpPr>
-          <p:cNvPr id="29" name="Straight Arrow Connector 28"/>
-          <p:cNvCxnSpPr/>
-          <p:nvPr/>
-        </p:nvCxnSpPr>
-        <p:spPr>
-          <a:xfrm flipV="1">
-            <a:off x="1470086" y="2755980"/>
-            <a:ext cx="654278" cy="1"/>
-          </a:xfrm>
-          <a:prstGeom prst="straightConnector1">
-            <a:avLst/>
-          </a:prstGeom>
-          <a:ln w="38100" cmpd="sng">
-            <a:solidFill>
-              <a:srgbClr val="FFFF00"/>
-            </a:solidFill>
-            <a:headEnd type="triangle"/>
-            <a:tailEnd type="triangle"/>
-          </a:ln>
-        </p:spPr>
-        <p:style>
-          <a:lnRef idx="1">
-            <a:schemeClr val="accent1"/>
-          </a:lnRef>
-          <a:fillRef idx="0">
-            <a:schemeClr val="accent1"/>
-          </a:fillRef>
-          <a:effectRef idx="0">
-            <a:schemeClr val="accent1"/>
-          </a:effectRef>
-          <a:fontRef idx="minor">
-            <a:schemeClr val="tx1"/>
-          </a:fontRef>
-        </p:style>
-      </p:cxnSp>
-      <p:sp>
-        <p:nvSpPr>
-          <p:cNvPr id="30" name="TextBox 29"/>
-          <p:cNvSpPr txBox="1"/>
-          <p:nvPr/>
-        </p:nvSpPr>
-        <p:spPr>
-          <a:xfrm>
-            <a:off x="2070548" y="3369634"/>
-            <a:ext cx="1506957" cy="261610"/>
-          </a:xfrm>
-          <a:prstGeom prst="rect">
-            <a:avLst/>
-          </a:prstGeom>
-          <a:noFill/>
-        </p:spPr>
-        <p:txBody>
-          <a:bodyPr wrap="square" rtlCol="0">
-            <a:spAutoFit/>
-          </a:bodyPr>
-          <a:lstStyle/>
-          <a:p>
-            <a:pPr algn="ctr"/>
-            <a:r>
-              <a:rPr lang="en-US" sz="1050" i="1" dirty="0" smtClean="0">
-                <a:solidFill>
-                  <a:srgbClr val="000000"/>
-                </a:solidFill>
-              </a:rPr>
-              <a:t>DC Going Away</a:t>
-            </a:r>
-            <a:endParaRPr lang="en-US" sz="700" i="1" dirty="0" smtClean="0">
-              <a:solidFill>
-                <a:srgbClr val="000000"/>
-              </a:solidFill>
-            </a:endParaRPr>
-          </a:p>
-        </p:txBody>
-      </p:sp>
-      <p:sp>
-        <p:nvSpPr>
-          <p:cNvPr id="31" name="Rectangle 30"/>
-          <p:cNvSpPr/>
-          <p:nvPr/>
-        </p:nvSpPr>
-        <p:spPr>
-          <a:xfrm>
-            <a:off x="4508500" y="1037169"/>
-            <a:ext cx="2222500" cy="577081"/>
-          </a:xfrm>
-          <a:prstGeom prst="rect">
-            <a:avLst/>
-          </a:prstGeom>
-        </p:spPr>
-        <p:txBody>
-          <a:bodyPr wrap="square">
-            <a:spAutoFit/>
-          </a:bodyPr>
-          <a:lstStyle/>
-          <a:p>
-            <a:r>
-              <a:rPr lang="en-US" sz="1050" dirty="0" smtClean="0">
-                <a:solidFill>
-                  <a:srgbClr val="000000"/>
-                </a:solidFill>
-              </a:rPr>
-              <a:t>*.px1.cfapps.internal.t-mobile.com</a:t>
-            </a:r>
-          </a:p>
-          <a:p>
-            <a:r>
-              <a:rPr lang="en-US" sz="1050" dirty="0">
-                <a:solidFill>
-                  <a:srgbClr val="000000"/>
-                </a:solidFill>
-              </a:rPr>
-              <a:t>*.</a:t>
-            </a:r>
-            <a:r>
-              <a:rPr lang="en-US" sz="1050" dirty="0" smtClean="0">
-                <a:solidFill>
-                  <a:srgbClr val="000000"/>
-                </a:solidFill>
-              </a:rPr>
-              <a:t>px2.cfapps.internal.t</a:t>
-            </a:r>
-            <a:r>
-              <a:rPr lang="en-US" sz="1050" dirty="0">
-                <a:solidFill>
-                  <a:srgbClr val="000000"/>
-                </a:solidFill>
-              </a:rPr>
-              <a:t>-</a:t>
-            </a:r>
-            <a:r>
-              <a:rPr lang="en-US" sz="1050" dirty="0" smtClean="0">
-                <a:solidFill>
-                  <a:srgbClr val="000000"/>
-                </a:solidFill>
-              </a:rPr>
-              <a:t>mobile.com</a:t>
-            </a:r>
-          </a:p>
-          <a:p>
-            <a:r>
-              <a:rPr lang="en-US" sz="1050" dirty="0">
-                <a:solidFill>
-                  <a:srgbClr val="000000"/>
-                </a:solidFill>
-              </a:rPr>
-              <a:t>*.</a:t>
-            </a:r>
-            <a:r>
-              <a:rPr lang="en-US" sz="1050" dirty="0" smtClean="0">
-                <a:solidFill>
-                  <a:srgbClr val="000000"/>
-                </a:solidFill>
-              </a:rPr>
-              <a:t>px3.cfapps.internal.t</a:t>
-            </a:r>
-            <a:r>
-              <a:rPr lang="en-US" sz="1050" dirty="0">
-                <a:solidFill>
-                  <a:srgbClr val="000000"/>
-                </a:solidFill>
-              </a:rPr>
-              <a:t>-</a:t>
-            </a:r>
-            <a:r>
-              <a:rPr lang="en-US" sz="1050" dirty="0" smtClean="0">
-                <a:solidFill>
-                  <a:srgbClr val="000000"/>
-                </a:solidFill>
-              </a:rPr>
-              <a:t>mobile.com</a:t>
-            </a:r>
-          </a:p>
-        </p:txBody>
-      </p:sp>
-      <p:sp>
-        <p:nvSpPr>
-          <p:cNvPr id="32" name="Rectangle 31"/>
-          <p:cNvSpPr/>
-          <p:nvPr/>
-        </p:nvSpPr>
-        <p:spPr>
-          <a:xfrm>
-            <a:off x="6731000" y="1027555"/>
-            <a:ext cx="1943100" cy="577081"/>
-          </a:xfrm>
-          <a:prstGeom prst="rect">
-            <a:avLst/>
-          </a:prstGeom>
-        </p:spPr>
-        <p:txBody>
-          <a:bodyPr wrap="square">
-            <a:spAutoFit/>
-          </a:bodyPr>
-          <a:lstStyle/>
-          <a:p>
-            <a:r>
-              <a:rPr lang="en-US" sz="1050" dirty="0" smtClean="0">
-                <a:solidFill>
-                  <a:srgbClr val="000000"/>
-                </a:solidFill>
-              </a:rPr>
-              <a:t>*</a:t>
-            </a:r>
-            <a:r>
-              <a:rPr lang="en-US" sz="1050" dirty="0">
-                <a:solidFill>
-                  <a:srgbClr val="000000"/>
-                </a:solidFill>
-              </a:rPr>
-              <a:t>.px1.cf.internal.t-mobile.com</a:t>
-            </a:r>
-          </a:p>
-          <a:p>
-            <a:r>
-              <a:rPr lang="en-US" sz="1050" dirty="0">
-                <a:solidFill>
-                  <a:srgbClr val="000000"/>
-                </a:solidFill>
-              </a:rPr>
-              <a:t>*.px2.cf.internal.t-mobile.com</a:t>
-            </a:r>
-          </a:p>
-          <a:p>
-            <a:r>
-              <a:rPr lang="en-US" sz="1050" dirty="0">
-                <a:solidFill>
-                  <a:srgbClr val="000000"/>
-                </a:solidFill>
-              </a:rPr>
-              <a:t>*.px3.cf.internal.t-mobile.com</a:t>
-            </a:r>
-          </a:p>
-        </p:txBody>
-      </p:sp>
-      <p:pic>
-        <p:nvPicPr>
-          <p:cNvPr id="33" name="Picture 8" descr="C:\Users\Abject-3D\Desktop\VMWare Files\FINAL diagrams\Basic Virtualization\3D PNGs\_6.png"/>
-          <p:cNvPicPr>
-            <a:picLocks noChangeAspect="1" noChangeArrowheads="1"/>
-          </p:cNvPicPr>
-          <p:nvPr/>
-        </p:nvPicPr>
-        <p:blipFill>
-          <a:blip r:embed="rId9"/>
-          <a:srcRect/>
-          <a:stretch>
-            <a:fillRect/>
-          </a:stretch>
-        </p:blipFill>
-        <p:spPr bwMode="auto">
-          <a:xfrm>
-            <a:off x="5019674" y="3774019"/>
-            <a:ext cx="1546225" cy="501650"/>
-          </a:xfrm>
-          <a:prstGeom prst="rect">
-            <a:avLst/>
-          </a:prstGeom>
-          <a:noFill/>
-        </p:spPr>
-      </p:pic>
-      <p:sp>
-        <p:nvSpPr>
-          <p:cNvPr id="34" name="TextBox 33"/>
-          <p:cNvSpPr txBox="1"/>
-          <p:nvPr/>
-        </p:nvSpPr>
-        <p:spPr>
-          <a:xfrm>
-            <a:off x="7283209" y="4259348"/>
-            <a:ext cx="940638" cy="253916"/>
-          </a:xfrm>
-          <a:prstGeom prst="rect">
-            <a:avLst/>
-          </a:prstGeom>
-          <a:noFill/>
-        </p:spPr>
-        <p:txBody>
-          <a:bodyPr wrap="none" rtlCol="0">
-            <a:spAutoFit/>
-          </a:bodyPr>
-          <a:lstStyle/>
-          <a:p>
-            <a:pPr algn="ctr"/>
-            <a:r>
-              <a:rPr lang="en-US" sz="1050" dirty="0" smtClean="0">
-                <a:solidFill>
-                  <a:srgbClr val="000000"/>
-                </a:solidFill>
-              </a:rPr>
-              <a:t>[ Dedicated ]</a:t>
-            </a:r>
-          </a:p>
-        </p:txBody>
-      </p:sp>
-      <p:pic>
-        <p:nvPicPr>
-          <p:cNvPr id="35" name="Picture 3" descr="C:\Users\testuser\AppData\Local\Temp\VMwareDnD\5d50dc54\VMW_09Q3_LOGO_Corp_Gray_LG.png"/>
-          <p:cNvPicPr>
-            <a:picLocks noChangeAspect="1" noChangeArrowheads="1"/>
-          </p:cNvPicPr>
-          <p:nvPr/>
-        </p:nvPicPr>
-        <p:blipFill>
-          <a:blip r:embed="rId10" cstate="print"/>
-          <a:srcRect/>
-          <a:stretch>
-            <a:fillRect/>
-          </a:stretch>
-        </p:blipFill>
-        <p:spPr bwMode="auto">
-          <a:xfrm>
-            <a:off x="5447861" y="3587521"/>
-            <a:ext cx="720319" cy="109964"/>
-          </a:xfrm>
-          <a:prstGeom prst="rect">
-            <a:avLst/>
-          </a:prstGeom>
-          <a:noFill/>
-        </p:spPr>
-      </p:pic>
-      <p:sp>
-        <p:nvSpPr>
-          <p:cNvPr id="36" name="TextBox 35"/>
-          <p:cNvSpPr txBox="1"/>
-          <p:nvPr/>
-        </p:nvSpPr>
-        <p:spPr>
-          <a:xfrm>
-            <a:off x="133672" y="4662994"/>
-            <a:ext cx="5527894" cy="338554"/>
-          </a:xfrm>
-          <a:prstGeom prst="rect">
-            <a:avLst/>
-          </a:prstGeom>
-          <a:noFill/>
-        </p:spPr>
-        <p:txBody>
-          <a:bodyPr wrap="square" rtlCol="0">
-            <a:spAutoFit/>
-          </a:bodyPr>
-          <a:lstStyle/>
-          <a:p>
-            <a:r>
-              <a:rPr lang="en-US" sz="1600" dirty="0" smtClean="0">
-                <a:solidFill>
-                  <a:srgbClr val="FFFFFF"/>
-                </a:solidFill>
-              </a:rPr>
-              <a:t>* Availability Zone arch same for Titan data center</a:t>
-            </a:r>
-          </a:p>
-        </p:txBody>
-      </p:sp>
-      <p:sp>
-        <p:nvSpPr>
-          <p:cNvPr id="37" name="Rounded Rectangle 36"/>
-          <p:cNvSpPr/>
-          <p:nvPr/>
-        </p:nvSpPr>
-        <p:spPr bwMode="auto">
-          <a:xfrm>
-            <a:off x="108323" y="1133289"/>
-            <a:ext cx="1128889" cy="788238"/>
-          </a:xfrm>
-          <a:prstGeom prst="roundRect">
-            <a:avLst/>
-          </a:prstGeom>
-          <a:solidFill>
-            <a:srgbClr val="DA00C4">
-              <a:alpha val="80000"/>
-            </a:srgbClr>
-          </a:solidFill>
-          <a:ln w="12700">
-            <a:solidFill>
-              <a:srgbClr val="EEECE1"/>
-            </a:solidFill>
-            <a:headEnd type="none" w="med" len="med"/>
-            <a:tailEnd type="none" w="med" len="med"/>
-          </a:ln>
-          <a:effectLst/>
-          <a:scene3d>
-            <a:camera prst="orthographicFront"/>
-            <a:lightRig rig="threePt" dir="t"/>
-          </a:scene3d>
-          <a:sp3d>
-            <a:bevelT w="31750" h="6350"/>
-          </a:sp3d>
-        </p:spPr>
-        <p:style>
-          <a:lnRef idx="1">
-            <a:schemeClr val="accent4"/>
-          </a:lnRef>
-          <a:fillRef idx="3">
-            <a:schemeClr val="accent4"/>
-          </a:fillRef>
-          <a:effectRef idx="2">
-            <a:schemeClr val="accent4"/>
-          </a:effectRef>
-          <a:fontRef idx="minor">
-            <a:schemeClr val="lt1"/>
-          </a:fontRef>
-        </p:style>
-        <p:txBody>
-          <a:bodyPr anchor="ctr"/>
-          <a:lstStyle/>
-          <a:p>
-            <a:pPr algn="ctr">
-              <a:spcAft>
-                <a:spcPts val="600"/>
-              </a:spcAft>
-              <a:defRPr/>
-            </a:pPr>
-            <a:r>
-              <a:rPr lang="en-US" sz="1400" b="1" dirty="0" smtClean="0">
-                <a:solidFill>
-                  <a:schemeClr val="bg1"/>
-                </a:solidFill>
-              </a:rPr>
-              <a:t>ORACLE</a:t>
-            </a:r>
-          </a:p>
-        </p:txBody>
-      </p:sp>
-      <p:pic>
-        <p:nvPicPr>
-          <p:cNvPr id="38" name="Picture 37"/>
-          <p:cNvPicPr>
-            <a:picLocks noChangeAspect="1"/>
-          </p:cNvPicPr>
-          <p:nvPr/>
-        </p:nvPicPr>
-        <p:blipFill>
-          <a:blip r:embed="rId11"/>
-          <a:stretch>
-            <a:fillRect/>
-          </a:stretch>
-        </p:blipFill>
-        <p:spPr>
-          <a:xfrm>
-            <a:off x="6589952" y="4378477"/>
-            <a:ext cx="438452" cy="438452"/>
-          </a:xfrm>
-          <a:prstGeom prst="rect">
-            <a:avLst/>
-          </a:prstGeom>
-        </p:spPr>
-      </p:pic>
-      <p:cxnSp>
-        <p:nvCxnSpPr>
-          <p:cNvPr id="39" name="Straight Arrow Connector 38"/>
-          <p:cNvCxnSpPr/>
-          <p:nvPr/>
-        </p:nvCxnSpPr>
-        <p:spPr>
-          <a:xfrm flipV="1">
-            <a:off x="3500546" y="2754440"/>
-            <a:ext cx="654278" cy="1"/>
-          </a:xfrm>
-          <a:prstGeom prst="straightConnector1">
-            <a:avLst/>
-          </a:prstGeom>
-          <a:ln w="38100" cmpd="sng">
-            <a:solidFill>
-              <a:srgbClr val="FFFF00"/>
-            </a:solidFill>
-            <a:headEnd type="triangle"/>
-            <a:tailEnd type="triangle"/>
-          </a:ln>
-        </p:spPr>
-        <p:style>
-          <a:lnRef idx="1">
-            <a:schemeClr val="accent1"/>
-          </a:lnRef>
-          <a:fillRef idx="0">
-            <a:schemeClr val="accent1"/>
-          </a:fillRef>
-          <a:effectRef idx="0">
-            <a:schemeClr val="accent1"/>
-          </a:effectRef>
-          <a:fontRef idx="minor">
-            <a:schemeClr val="tx1"/>
-          </a:fontRef>
-        </p:style>
-      </p:cxnSp>
-      <p:pic>
-        <p:nvPicPr>
-          <p:cNvPr id="9" name="Picture 7" descr="C:\Users\Abject-3D\Desktop\VMWare Files\FINAL diagrams\Basic Virtualization\3D PNGs\_5.png"/>
-          <p:cNvPicPr>
-            <a:picLocks noChangeAspect="1" noChangeArrowheads="1"/>
-          </p:cNvPicPr>
-          <p:nvPr/>
-        </p:nvPicPr>
-        <p:blipFill>
-          <a:blip r:embed="rId12"/>
-          <a:srcRect/>
-          <a:stretch>
-            <a:fillRect/>
-          </a:stretch>
-        </p:blipFill>
-        <p:spPr bwMode="auto">
-          <a:xfrm>
-            <a:off x="7026274" y="3780369"/>
-            <a:ext cx="1558925" cy="504824"/>
-          </a:xfrm>
-          <a:prstGeom prst="rect">
-            <a:avLst/>
-          </a:prstGeom>
-          <a:noFill/>
-        </p:spPr>
-      </p:pic>
-      <p:sp>
-        <p:nvSpPr>
           <p:cNvPr id="40" name="Shape 195"/>
           <p:cNvSpPr txBox="1">
             <a:spLocks noGrp="1"/>
@@ -11363,7 +9886,16 @@
                 </a:solidFill>
                 <a:sym typeface="Arial"/>
               </a:rPr>
-              <a:t>TMUS’ Cloud Foundry</a:t>
+              <a:t>ATT’s Cloud </a:t>
+            </a:r>
+            <a:r>
+              <a:rPr lang="en-US" b="1" dirty="0" smtClean="0">
+                <a:solidFill>
+                  <a:srgbClr val="13A78D"/>
+                </a:solidFill>
+                <a:sym typeface="Arial"/>
+              </a:rPr>
+              <a:t>Foundry</a:t>
             </a:r>
             <a:endParaRPr lang="en-US" b="1" dirty="0">
               <a:solidFill>
